--- a/docs/slides/nnintro-ch10-rnn.pptx
+++ b/docs/slides/nnintro-ch10-rnn.pptx
@@ -252,7 +252,7 @@
           <a:p>
             <a:fld id="{B01994EC-483D-324E-A14B-FCB2363A6145}" type="datetimeFigureOut">
               <a:rPr lang="en-US" smtClean="0"/>
-              <a:t>10/29/24</a:t>
+              <a:t>10/31/24</a:t>
             </a:fld>
             <a:endParaRPr lang="en-US"/>
           </a:p>
@@ -418,7 +418,7 @@
           <a:p>
             <a:fld id="{14CAC850-72E3-3F4D-B35F-F73F8A3CE0A9}" type="datetimeFigureOut">
               <a:rPr lang="en-US" smtClean="0"/>
-              <a:t>10/29/24</a:t>
+              <a:t>10/31/24</a:t>
             </a:fld>
             <a:endParaRPr lang="en-US"/>
           </a:p>
@@ -1117,7 +1117,7 @@
           <a:p>
             <a:fld id="{0B7FF8D0-70A2-2644-AB9A-71B243683867}" type="datetime1">
               <a:rPr lang="en-US" smtClean="0"/>
-              <a:t>10/29/24</a:t>
+              <a:t>10/31/24</a:t>
             </a:fld>
             <a:endParaRPr lang="en-US"/>
           </a:p>
@@ -1320,7 +1320,7 @@
           <a:p>
             <a:fld id="{103ADB3E-F530-B04E-9C00-73A665A746DF}" type="datetime1">
               <a:rPr lang="en-US" smtClean="0"/>
-              <a:t>10/29/24</a:t>
+              <a:t>10/31/24</a:t>
             </a:fld>
             <a:endParaRPr lang="en-US"/>
           </a:p>
@@ -1533,7 +1533,7 @@
           <a:p>
             <a:fld id="{29AA8647-DDC8-8045-929B-87F8A0123AAC}" type="datetime1">
               <a:rPr lang="en-US" smtClean="0"/>
-              <a:t>10/29/24</a:t>
+              <a:t>10/31/24</a:t>
             </a:fld>
             <a:endParaRPr lang="en-US"/>
           </a:p>
@@ -2043,7 +2043,7 @@
           <a:p>
             <a:fld id="{0E798730-4C36-8843-9EA4-9C3064893DBD}" type="datetime1">
               <a:rPr lang="en-US" smtClean="0"/>
-              <a:t>10/29/24</a:t>
+              <a:t>10/31/24</a:t>
             </a:fld>
             <a:endParaRPr lang="en-US"/>
           </a:p>
@@ -2323,7 +2323,7 @@
           <a:p>
             <a:fld id="{1D207688-05DA-4D47-AA55-61A105CE9D81}" type="datetime1">
               <a:rPr lang="en-US" smtClean="0"/>
-              <a:t>10/29/24</a:t>
+              <a:t>10/31/24</a:t>
             </a:fld>
             <a:endParaRPr lang="en-US"/>
           </a:p>
@@ -2608,7 +2608,7 @@
           <a:p>
             <a:fld id="{F3AF4D28-8309-FE49-AB2C-BE2DC70C9A1C}" type="datetime1">
               <a:rPr lang="en-US" smtClean="0"/>
-              <a:t>10/29/24</a:t>
+              <a:t>10/31/24</a:t>
             </a:fld>
             <a:endParaRPr lang="en-US"/>
           </a:p>
@@ -3062,7 +3062,7 @@
           <a:p>
             <a:fld id="{93C85934-7B0D-E641-970A-4611A6D96867}" type="datetime1">
               <a:rPr lang="en-US" smtClean="0"/>
-              <a:t>10/29/24</a:t>
+              <a:t>10/31/24</a:t>
             </a:fld>
             <a:endParaRPr lang="en-US"/>
           </a:p>
@@ -3219,7 +3219,7 @@
           <a:p>
             <a:fld id="{9E954B22-D73B-5641-AE5B-A44D888704A2}" type="datetime1">
               <a:rPr lang="en-US" smtClean="0"/>
-              <a:t>10/29/24</a:t>
+              <a:t>10/31/24</a:t>
             </a:fld>
             <a:endParaRPr lang="en-US"/>
           </a:p>
@@ -3349,7 +3349,7 @@
           <a:p>
             <a:fld id="{FAF56C4A-8140-4243-9F4B-6A0F328069B3}" type="datetime1">
               <a:rPr lang="en-US" smtClean="0"/>
-              <a:t>10/29/24</a:t>
+              <a:t>10/31/24</a:t>
             </a:fld>
             <a:endParaRPr lang="en-US"/>
           </a:p>
@@ -3624,7 +3624,7 @@
           <a:p>
             <a:fld id="{0AB7471A-7A79-1F42-B8F4-4C366A4D2860}" type="datetime1">
               <a:rPr lang="en-US" smtClean="0"/>
-              <a:t>10/29/24</a:t>
+              <a:t>10/31/24</a:t>
             </a:fld>
             <a:endParaRPr lang="en-US"/>
           </a:p>
@@ -3876,7 +3876,7 @@
           <a:p>
             <a:fld id="{8F7C599A-C565-AA4F-B0B7-B1C9F3E19B32}" type="datetime1">
               <a:rPr lang="en-US" smtClean="0"/>
-              <a:t>10/29/24</a:t>
+              <a:t>10/31/24</a:t>
             </a:fld>
             <a:endParaRPr lang="en-US"/>
           </a:p>
@@ -4087,7 +4087,7 @@
           <a:p>
             <a:fld id="{07193804-F157-E84E-A058-6F1D58E71D89}" type="datetime1">
               <a:rPr lang="en-US" smtClean="0"/>
-              <a:t>10/29/24</a:t>
+              <a:t>10/31/24</a:t>
             </a:fld>
             <a:endParaRPr lang="en-US"/>
           </a:p>
@@ -9578,7 +9578,15 @@
           <a:p>
             <a:r>
               <a:rPr lang="en-US" dirty="0"/>
-              <a:t>Starting with chapter 14, we will discuss transfer networks.</a:t>
+              <a:t>Starting with chapter 14, we will </a:t>
+            </a:r>
+            <a:r>
+              <a:rPr lang="en-US"/>
+              <a:t>discuss transformer </a:t>
+            </a:r>
+            <a:r>
+              <a:rPr lang="en-US" dirty="0"/>
+              <a:t>networks.</a:t>
             </a:r>
           </a:p>
         </p:txBody>

--- a/docs/slides/nnintro-ch10-rnn.pptx
+++ b/docs/slides/nnintro-ch10-rnn.pptx
@@ -5,10 +5,10 @@
     <p:sldMasterId id="2147483648" r:id="rId1"/>
   </p:sldMasterIdLst>
   <p:notesMasterIdLst>
-    <p:notesMasterId r:id="rId30"/>
+    <p:notesMasterId r:id="rId31"/>
   </p:notesMasterIdLst>
   <p:handoutMasterIdLst>
-    <p:handoutMasterId r:id="rId31"/>
+    <p:handoutMasterId r:id="rId32"/>
   </p:handoutMasterIdLst>
   <p:sldIdLst>
     <p:sldId id="256" r:id="rId2"/>
@@ -36,9 +36,10 @@
     <p:sldId id="279" r:id="rId24"/>
     <p:sldId id="280" r:id="rId25"/>
     <p:sldId id="281" r:id="rId26"/>
-    <p:sldId id="282" r:id="rId27"/>
-    <p:sldId id="283" r:id="rId28"/>
-    <p:sldId id="258" r:id="rId29"/>
+    <p:sldId id="284" r:id="rId27"/>
+    <p:sldId id="282" r:id="rId28"/>
+    <p:sldId id="283" r:id="rId29"/>
+    <p:sldId id="258" r:id="rId30"/>
   </p:sldIdLst>
   <p:sldSz cx="9144000" cy="6858000" type="screen4x3"/>
   <p:notesSz cx="6858000" cy="9144000"/>
@@ -252,7 +253,7 @@
           <a:p>
             <a:fld id="{B01994EC-483D-324E-A14B-FCB2363A6145}" type="datetimeFigureOut">
               <a:rPr lang="en-US" smtClean="0"/>
-              <a:t>10/31/24</a:t>
+              <a:t>10/26/25</a:t>
             </a:fld>
             <a:endParaRPr lang="en-US"/>
           </a:p>
@@ -418,7 +419,7 @@
           <a:p>
             <a:fld id="{14CAC850-72E3-3F4D-B35F-F73F8A3CE0A9}" type="datetimeFigureOut">
               <a:rPr lang="en-US" smtClean="0"/>
-              <a:t>10/31/24</a:t>
+              <a:t>10/26/25</a:t>
             </a:fld>
             <a:endParaRPr lang="en-US"/>
           </a:p>
@@ -1117,7 +1118,7 @@
           <a:p>
             <a:fld id="{0B7FF8D0-70A2-2644-AB9A-71B243683867}" type="datetime1">
               <a:rPr lang="en-US" smtClean="0"/>
-              <a:t>10/31/24</a:t>
+              <a:t>10/26/25</a:t>
             </a:fld>
             <a:endParaRPr lang="en-US"/>
           </a:p>
@@ -1320,7 +1321,7 @@
           <a:p>
             <a:fld id="{103ADB3E-F530-B04E-9C00-73A665A746DF}" type="datetime1">
               <a:rPr lang="en-US" smtClean="0"/>
-              <a:t>10/31/24</a:t>
+              <a:t>10/26/25</a:t>
             </a:fld>
             <a:endParaRPr lang="en-US"/>
           </a:p>
@@ -1533,7 +1534,7 @@
           <a:p>
             <a:fld id="{29AA8647-DDC8-8045-929B-87F8A0123AAC}" type="datetime1">
               <a:rPr lang="en-US" smtClean="0"/>
-              <a:t>10/31/24</a:t>
+              <a:t>10/26/25</a:t>
             </a:fld>
             <a:endParaRPr lang="en-US"/>
           </a:p>
@@ -2043,7 +2044,7 @@
           <a:p>
             <a:fld id="{0E798730-4C36-8843-9EA4-9C3064893DBD}" type="datetime1">
               <a:rPr lang="en-US" smtClean="0"/>
-              <a:t>10/31/24</a:t>
+              <a:t>10/26/25</a:t>
             </a:fld>
             <a:endParaRPr lang="en-US"/>
           </a:p>
@@ -2323,7 +2324,7 @@
           <a:p>
             <a:fld id="{1D207688-05DA-4D47-AA55-61A105CE9D81}" type="datetime1">
               <a:rPr lang="en-US" smtClean="0"/>
-              <a:t>10/31/24</a:t>
+              <a:t>10/26/25</a:t>
             </a:fld>
             <a:endParaRPr lang="en-US"/>
           </a:p>
@@ -2608,7 +2609,7 @@
           <a:p>
             <a:fld id="{F3AF4D28-8309-FE49-AB2C-BE2DC70C9A1C}" type="datetime1">
               <a:rPr lang="en-US" smtClean="0"/>
-              <a:t>10/31/24</a:t>
+              <a:t>10/26/25</a:t>
             </a:fld>
             <a:endParaRPr lang="en-US"/>
           </a:p>
@@ -3062,7 +3063,7 @@
           <a:p>
             <a:fld id="{93C85934-7B0D-E641-970A-4611A6D96867}" type="datetime1">
               <a:rPr lang="en-US" smtClean="0"/>
-              <a:t>10/31/24</a:t>
+              <a:t>10/26/25</a:t>
             </a:fld>
             <a:endParaRPr lang="en-US"/>
           </a:p>
@@ -3219,7 +3220,7 @@
           <a:p>
             <a:fld id="{9E954B22-D73B-5641-AE5B-A44D888704A2}" type="datetime1">
               <a:rPr lang="en-US" smtClean="0"/>
-              <a:t>10/31/24</a:t>
+              <a:t>10/26/25</a:t>
             </a:fld>
             <a:endParaRPr lang="en-US"/>
           </a:p>
@@ -3349,7 +3350,7 @@
           <a:p>
             <a:fld id="{FAF56C4A-8140-4243-9F4B-6A0F328069B3}" type="datetime1">
               <a:rPr lang="en-US" smtClean="0"/>
-              <a:t>10/31/24</a:t>
+              <a:t>10/26/25</a:t>
             </a:fld>
             <a:endParaRPr lang="en-US"/>
           </a:p>
@@ -3624,7 +3625,7 @@
           <a:p>
             <a:fld id="{0AB7471A-7A79-1F42-B8F4-4C366A4D2860}" type="datetime1">
               <a:rPr lang="en-US" smtClean="0"/>
-              <a:t>10/31/24</a:t>
+              <a:t>10/26/25</a:t>
             </a:fld>
             <a:endParaRPr lang="en-US"/>
           </a:p>
@@ -3876,7 +3877,7 @@
           <a:p>
             <a:fld id="{8F7C599A-C565-AA4F-B0B7-B1C9F3E19B32}" type="datetime1">
               <a:rPr lang="en-US" smtClean="0"/>
-              <a:t>10/31/24</a:t>
+              <a:t>10/26/25</a:t>
             </a:fld>
             <a:endParaRPr lang="en-US"/>
           </a:p>
@@ -4087,7 +4088,7 @@
           <a:p>
             <a:fld id="{07193804-F157-E84E-A058-6F1D58E71D89}" type="datetime1">
               <a:rPr lang="en-US" smtClean="0"/>
-              <a:t>10/31/24</a:t>
+              <a:t>10/26/25</a:t>
             </a:fld>
             <a:endParaRPr lang="en-US"/>
           </a:p>
@@ -8829,6 +8830,171 @@
           <p:cNvPr id="2" name="Title 1">
             <a:extLst>
               <a:ext uri="{FF2B5EF4-FFF2-40B4-BE49-F238E27FC236}">
+                <a16:creationId xmlns:a16="http://schemas.microsoft.com/office/drawing/2014/main" id="{FBC54F2B-B96D-F4B8-97D6-1DF03ABC8C8A}"/>
+              </a:ext>
+            </a:extLst>
+          </p:cNvPr>
+          <p:cNvSpPr>
+            <a:spLocks noGrp="1"/>
+          </p:cNvSpPr>
+          <p:nvPr>
+            <p:ph type="title"/>
+          </p:nvPr>
+        </p:nvSpPr>
+        <p:spPr/>
+        <p:txBody>
+          <a:bodyPr/>
+          <a:lstStyle/>
+          <a:p>
+            <a:r>
+              <a:rPr lang="en-US" dirty="0"/>
+              <a:t>Vanishing vs. exploding gradients</a:t>
+            </a:r>
+          </a:p>
+        </p:txBody>
+      </p:sp>
+      <p:sp>
+        <p:nvSpPr>
+          <p:cNvPr id="3" name="Content Placeholder 2">
+            <a:extLst>
+              <a:ext uri="{FF2B5EF4-FFF2-40B4-BE49-F238E27FC236}">
+                <a16:creationId xmlns:a16="http://schemas.microsoft.com/office/drawing/2014/main" id="{B0A4AF4D-DFAD-8DC3-EE30-9A94C64FB20C}"/>
+              </a:ext>
+            </a:extLst>
+          </p:cNvPr>
+          <p:cNvSpPr>
+            <a:spLocks noGrp="1"/>
+          </p:cNvSpPr>
+          <p:nvPr>
+            <p:ph idx="1"/>
+          </p:nvPr>
+        </p:nvSpPr>
+        <p:spPr/>
+        <p:txBody>
+          <a:bodyPr>
+            <a:normAutofit fontScale="85000" lnSpcReduction="10000"/>
+          </a:bodyPr>
+          <a:lstStyle/>
+          <a:p>
+            <a:r>
+              <a:rPr lang="en-US" dirty="0"/>
+              <a:t>Additive architectures such as the LSTM mitigate the vanishing gradient problem</a:t>
+            </a:r>
+          </a:p>
+          <a:p>
+            <a:r>
+              <a:rPr lang="en-US" dirty="0"/>
+              <a:t>But they suffer from the </a:t>
+            </a:r>
+            <a:r>
+              <a:rPr lang="en-US" i="1" dirty="0"/>
+              <a:t>exploding gradient problem</a:t>
+            </a:r>
+            <a:r>
+              <a:rPr lang="en-US" dirty="0"/>
+              <a:t>, i.e., when gradient values become very large in magnitude. </a:t>
+            </a:r>
+            <a:r>
+              <a:rPr lang="en-US" dirty="0">
+                <a:solidFill>
+                  <a:srgbClr val="0070C0"/>
+                </a:solidFill>
+              </a:rPr>
+              <a:t>Why?</a:t>
+            </a:r>
+          </a:p>
+          <a:p>
+            <a:r>
+              <a:rPr lang="en-US" dirty="0"/>
+              <a:t>Exploding gradients is a serious problem because it leads to unstable training.</a:t>
+            </a:r>
+          </a:p>
+          <a:p>
+            <a:r>
+              <a:rPr lang="en-US" dirty="0"/>
+              <a:t>Solutions:</a:t>
+            </a:r>
+          </a:p>
+          <a:p>
+            <a:pPr lvl="1"/>
+            <a:r>
+              <a:rPr lang="en-US" dirty="0"/>
+              <a:t>Everything we discussed in chapter 6, i.e., small learning rates, Xavier initialization, output normalization</a:t>
+            </a:r>
+          </a:p>
+          <a:p>
+            <a:pPr lvl="1"/>
+            <a:r>
+              <a:rPr lang="en-US" dirty="0"/>
+              <a:t>In addition: gradient clipping.</a:t>
+            </a:r>
+          </a:p>
+        </p:txBody>
+      </p:sp>
+      <p:sp>
+        <p:nvSpPr>
+          <p:cNvPr id="4" name="Slide Number Placeholder 3">
+            <a:extLst>
+              <a:ext uri="{FF2B5EF4-FFF2-40B4-BE49-F238E27FC236}">
+                <a16:creationId xmlns:a16="http://schemas.microsoft.com/office/drawing/2014/main" id="{57FE48FA-D9B7-B065-A766-4D6A06A3F426}"/>
+              </a:ext>
+            </a:extLst>
+          </p:cNvPr>
+          <p:cNvSpPr>
+            <a:spLocks noGrp="1"/>
+          </p:cNvSpPr>
+          <p:nvPr>
+            <p:ph type="sldNum" sz="quarter" idx="12"/>
+          </p:nvPr>
+        </p:nvSpPr>
+        <p:spPr/>
+        <p:txBody>
+          <a:bodyPr/>
+          <a:lstStyle/>
+          <a:p>
+            <a:fld id="{FF5157AA-4A4D-2C48-B0F6-C526C028AE97}" type="slidenum">
+              <a:rPr lang="en-US" smtClean="0"/>
+              <a:t>26</a:t>
+            </a:fld>
+            <a:endParaRPr lang="en-US"/>
+          </a:p>
+        </p:txBody>
+      </p:sp>
+    </p:spTree>
+    <p:extLst>
+      <p:ext uri="{BB962C8B-B14F-4D97-AF65-F5344CB8AC3E}">
+        <p14:creationId xmlns:p14="http://schemas.microsoft.com/office/powerpoint/2010/main" val="1851115725"/>
+      </p:ext>
+    </p:extLst>
+  </p:cSld>
+  <p:clrMapOvr>
+    <a:masterClrMapping/>
+  </p:clrMapOvr>
+</p:sld>
+</file>
+
+<file path=ppt/slides/slide27.xml><?xml version="1.0" encoding="utf-8"?>
+<p:sld xmlns:a="http://schemas.openxmlformats.org/drawingml/2006/main" xmlns:r="http://schemas.openxmlformats.org/officeDocument/2006/relationships" xmlns:p="http://schemas.openxmlformats.org/presentationml/2006/main">
+  <p:cSld>
+    <p:spTree>
+      <p:nvGrpSpPr>
+        <p:cNvPr id="1" name=""/>
+        <p:cNvGrpSpPr/>
+        <p:nvPr/>
+      </p:nvGrpSpPr>
+      <p:grpSpPr>
+        <a:xfrm>
+          <a:off x="0" y="0"/>
+          <a:ext cx="0" cy="0"/>
+          <a:chOff x="0" y="0"/>
+          <a:chExt cx="0" cy="0"/>
+        </a:xfrm>
+      </p:grpSpPr>
+      <p:sp>
+        <p:nvSpPr>
+          <p:cNvPr id="2" name="Title 1">
+            <a:extLst>
+              <a:ext uri="{FF2B5EF4-FFF2-40B4-BE49-F238E27FC236}">
                 <a16:creationId xmlns:a16="http://schemas.microsoft.com/office/drawing/2014/main" id="{689AF02A-B060-AE05-5503-0648E45A4620}"/>
               </a:ext>
             </a:extLst>
@@ -8949,7 +9115,7 @@
           <a:p>
             <a:fld id="{FF5157AA-4A4D-2C48-B0F6-C526C028AE97}" type="slidenum">
               <a:rPr lang="en-US" smtClean="0"/>
-              <a:t>26</a:t>
+              <a:t>27</a:t>
             </a:fld>
             <a:endParaRPr lang="en-US"/>
           </a:p>
@@ -8998,7 +9164,7 @@
 </p:sld>
 </file>
 
-<file path=ppt/slides/slide27.xml><?xml version="1.0" encoding="utf-8"?>
+<file path=ppt/slides/slide28.xml><?xml version="1.0" encoding="utf-8"?>
 <p:sld xmlns:a="http://schemas.openxmlformats.org/drawingml/2006/main" xmlns:r="http://schemas.openxmlformats.org/officeDocument/2006/relationships" xmlns:p="http://schemas.openxmlformats.org/presentationml/2006/main">
   <p:cSld>
     <p:spTree>
@@ -9062,7 +9228,7 @@
         <p:spPr/>
         <p:txBody>
           <a:bodyPr>
-            <a:normAutofit fontScale="92500" lnSpcReduction="20000"/>
+            <a:normAutofit fontScale="85000" lnSpcReduction="20000"/>
           </a:bodyPr>
           <a:lstStyle/>
           <a:p>
@@ -9103,6 +9269,13 @@
             <a:r>
               <a:rPr lang="en-US" dirty="0"/>
               <a:t>Hard to parallelize</a:t>
+            </a:r>
+          </a:p>
+          <a:p>
+            <a:pPr lvl="1"/>
+            <a:r>
+              <a:rPr lang="en-US" dirty="0"/>
+              <a:t>Exploding gradient</a:t>
             </a:r>
           </a:p>
           <a:p>
@@ -9147,7 +9320,7 @@
           <a:p>
             <a:fld id="{FF5157AA-4A4D-2C48-B0F6-C526C028AE97}" type="slidenum">
               <a:rPr lang="en-US" smtClean="0"/>
-              <a:t>27</a:t>
+              <a:t>28</a:t>
             </a:fld>
             <a:endParaRPr lang="en-US"/>
           </a:p>
@@ -9166,7 +9339,7 @@
 </p:sld>
 </file>
 
-<file path=ppt/slides/slide28.xml><?xml version="1.0" encoding="utf-8"?>
+<file path=ppt/slides/slide29.xml><?xml version="1.0" encoding="utf-8"?>
 <p:sld xmlns:a="http://schemas.openxmlformats.org/drawingml/2006/main" xmlns:r="http://schemas.openxmlformats.org/officeDocument/2006/relationships" xmlns:p="http://schemas.openxmlformats.org/presentationml/2006/main">
   <p:cSld>
     <p:spTree>
@@ -9295,7 +9468,7 @@
           <a:p>
             <a:fld id="{FF5157AA-4A4D-2C48-B0F6-C526C028AE97}" type="slidenum">
               <a:rPr lang="en-US" smtClean="0"/>
-              <a:t>28</a:t>
+              <a:t>29</a:t>
             </a:fld>
             <a:endParaRPr lang="en-US"/>
           </a:p>
